--- a/Project 1/posterDV.pptx
+++ b/Project 1/posterDV.pptx
@@ -173,7 +173,7 @@
 
 <file path=ppt/commentAuthors.xml><?xml version="1.0" encoding="utf-8"?>
 <p:cmAuthorLst xmlns:a="http://schemas.openxmlformats.org/drawingml/2006/main" xmlns:r="http://schemas.openxmlformats.org/officeDocument/2006/relationships" xmlns:p="http://schemas.openxmlformats.org/presentationml/2006/main">
-  <p:cmAuthor id="1" name="Furtado, Diana/LON" initials="FD" lastIdx="1" clrIdx="0">
+  <p:cmAuthor id="1" name="Furtado, Diana/LON" initials="FD" lastIdx="2" clrIdx="0">
     <p:extLst>
       <p:ext uri="{19B8F6BF-5375-455C-9EA6-DF929625EA0E}">
         <p15:presenceInfo xmlns:p15="http://schemas.microsoft.com/office/powerpoint/2012/main" userId="S::Diana.Furtado@jacobs.com::a010d1f6-e95e-4ebb-a6f0-63bf19c0f103" providerId="AD"/>
@@ -181,6 +181,20 @@
     </p:extLst>
   </p:cmAuthor>
 </p:cmAuthorLst>
+</file>
+
+<file path=ppt/comments/comment1.xml><?xml version="1.0" encoding="utf-8"?>
+<p:cmLst xmlns:a="http://schemas.openxmlformats.org/drawingml/2006/main" xmlns:r="http://schemas.openxmlformats.org/officeDocument/2006/relationships" xmlns:p="http://schemas.openxmlformats.org/presentationml/2006/main">
+  <p:cm authorId="1" dt="2021-03-17T09:54:20.678" idx="2">
+    <p:pos x="14369" y="12888"/>
+    <p:text>por fundo transparente</p:text>
+    <p:extLst>
+      <p:ext uri="{C676402C-5697-4E1C-873F-D02D1690AC5C}">
+        <p15:threadingInfo xmlns:p15="http://schemas.microsoft.com/office/powerpoint/2012/main" timeZoneBias="0"/>
+      </p:ext>
+    </p:extLst>
+  </p:cm>
+</p:cmLst>
 </file>
 
 <file path=ppt/notesMasters/notesMaster1.xml><?xml version="1.0" encoding="utf-8"?>
@@ -289,7 +303,7 @@
             <a:fld id="{4DC3474C-93A3-4B29-8CE5-F0E8C1214C43}" type="datetimeFigureOut">
               <a:rPr lang="fr-FR" altLang="pt-PT"/>
               <a:pPr/>
-              <a:t>16/03/2021</a:t>
+              <a:t>17/03/2021</a:t>
             </a:fld>
             <a:endParaRPr lang="fr-FR" altLang="pt-PT"/>
           </a:p>
@@ -1466,7 +1480,7 @@
             <a:fld id="{F1766FF8-C032-41F8-906B-A42458C8E059}" type="datetimeFigureOut">
               <a:rPr lang="en-US" altLang="pt-PT"/>
               <a:pPr/>
-              <a:t>3/16/2021</a:t>
+              <a:t>3/17/2021</a:t>
             </a:fld>
             <a:endParaRPr lang="en-US" altLang="pt-PT"/>
           </a:p>
@@ -1632,7 +1646,7 @@
             <a:fld id="{74809B2F-18C5-4FB1-9B3F-93CFDCF18A34}" type="datetimeFigureOut">
               <a:rPr lang="en-US" altLang="pt-PT"/>
               <a:pPr/>
-              <a:t>3/16/2021</a:t>
+              <a:t>3/17/2021</a:t>
             </a:fld>
             <a:endParaRPr lang="en-US" altLang="pt-PT"/>
           </a:p>
@@ -1808,7 +1822,7 @@
             <a:fld id="{5C92C8D2-435A-4785-9E2D-3ABEE16CE0DB}" type="datetimeFigureOut">
               <a:rPr lang="en-US" altLang="pt-PT"/>
               <a:pPr/>
-              <a:t>3/16/2021</a:t>
+              <a:t>3/17/2021</a:t>
             </a:fld>
             <a:endParaRPr lang="en-US" altLang="pt-PT"/>
           </a:p>
@@ -1974,7 +1988,7 @@
             <a:fld id="{649F164D-4927-4F62-8239-F514BA1D7081}" type="datetimeFigureOut">
               <a:rPr lang="en-US" altLang="pt-PT"/>
               <a:pPr/>
-              <a:t>3/16/2021</a:t>
+              <a:t>3/17/2021</a:t>
             </a:fld>
             <a:endParaRPr lang="en-US" altLang="pt-PT"/>
           </a:p>
@@ -2217,7 +2231,7 @@
             <a:fld id="{C31F29FE-80B6-4F5C-A0F9-12DF5CCA7376}" type="datetimeFigureOut">
               <a:rPr lang="en-US" altLang="pt-PT"/>
               <a:pPr/>
-              <a:t>3/16/2021</a:t>
+              <a:t>3/17/2021</a:t>
             </a:fld>
             <a:endParaRPr lang="en-US" altLang="pt-PT"/>
           </a:p>
@@ -2500,7 +2514,7 @@
             <a:fld id="{A2E0ED29-75C5-4FE5-B75B-B22F7059D236}" type="datetimeFigureOut">
               <a:rPr lang="en-US" altLang="pt-PT"/>
               <a:pPr/>
-              <a:t>3/16/2021</a:t>
+              <a:t>3/17/2021</a:t>
             </a:fld>
             <a:endParaRPr lang="en-US" altLang="pt-PT"/>
           </a:p>
@@ -2917,7 +2931,7 @@
             <a:fld id="{0C297BD1-05CE-447A-87B5-EF261799A897}" type="datetimeFigureOut">
               <a:rPr lang="en-US" altLang="pt-PT"/>
               <a:pPr/>
-              <a:t>3/16/2021</a:t>
+              <a:t>3/17/2021</a:t>
             </a:fld>
             <a:endParaRPr lang="en-US" altLang="pt-PT"/>
           </a:p>
@@ -3032,7 +3046,7 @@
             <a:fld id="{ACBFE5F1-E63C-4CA7-8F4F-313E92EC84EB}" type="datetimeFigureOut">
               <a:rPr lang="en-US" altLang="pt-PT"/>
               <a:pPr/>
-              <a:t>3/16/2021</a:t>
+              <a:t>3/17/2021</a:t>
             </a:fld>
             <a:endParaRPr lang="en-US" altLang="pt-PT"/>
           </a:p>
@@ -3125,7 +3139,7 @@
             <a:fld id="{3CF1904C-C171-4B77-9F15-5ACF128AF6EF}" type="datetimeFigureOut">
               <a:rPr lang="en-US" altLang="pt-PT"/>
               <a:pPr/>
-              <a:t>3/16/2021</a:t>
+              <a:t>3/17/2021</a:t>
             </a:fld>
             <a:endParaRPr lang="en-US" altLang="pt-PT"/>
           </a:p>
@@ -3398,7 +3412,7 @@
             <a:fld id="{9FFA854C-59E2-4C51-B74C-98EA94567552}" type="datetimeFigureOut">
               <a:rPr lang="en-US" altLang="pt-PT"/>
               <a:pPr/>
-              <a:t>3/16/2021</a:t>
+              <a:t>3/17/2021</a:t>
             </a:fld>
             <a:endParaRPr lang="en-US" altLang="pt-PT"/>
           </a:p>
@@ -3654,7 +3668,7 @@
             <a:fld id="{5AFA30A5-423D-4D5D-BA1C-D6ECFDF54643}" type="datetimeFigureOut">
               <a:rPr lang="en-US" altLang="pt-PT"/>
               <a:pPr/>
-              <a:t>3/16/2021</a:t>
+              <a:t>3/17/2021</a:t>
             </a:fld>
             <a:endParaRPr lang="en-US" altLang="pt-PT"/>
           </a:p>
@@ -3987,7 +4001,7 @@
             <a:fld id="{2BCAFF04-518B-4DBF-A2B1-210CF19865CD}" type="datetimeFigureOut">
               <a:rPr lang="en-US" altLang="pt-PT"/>
               <a:pPr/>
-              <a:t>3/16/2021</a:t>
+              <a:t>3/17/2021</a:t>
             </a:fld>
             <a:endParaRPr lang="en-US" altLang="pt-PT"/>
           </a:p>
